--- a/thrift分享.pptx
+++ b/thrift分享.pptx
@@ -130,7 +130,7 @@
   </p:defaultTextStyle>
   <p:extLst>
     <p:ext uri="{521415D9-36F7-43E2-AB2F-B90AF26B5E84}">
-      <p14:sectionLst xmlns:p14="http://schemas.microsoft.com/office/powerpoint/2010/main" xmlns="">
+      <p14:sectionLst xmlns="" xmlns:p14="http://schemas.microsoft.com/office/powerpoint/2010/main">
         <p14:section name="关于" id="{9FC37BC3-E02F-441F-96BC-C5AB82EF8073}">
           <p14:sldIdLst>
             <p14:sldId id="322"/>
@@ -212,7 +212,7 @@
       </p14:sectionLst>
     </p:ext>
     <p:ext uri="{EFAFB233-063F-42B5-8137-9DF3F51BA10A}">
-      <p15:sldGuideLst xmlns:p15="http://schemas.microsoft.com/office/powerpoint/2012/main" xmlns=""/>
+      <p15:sldGuideLst xmlns="" xmlns:p15="http://schemas.microsoft.com/office/powerpoint/2012/main"/>
     </p:ext>
   </p:extLst>
 </p:presentation>
@@ -301,7 +301,7 @@
             <a:fld id="{D2A48B96-639E-45A3-A0BA-2464DFDB1FAA}" type="datetimeFigureOut">
               <a:rPr lang="zh-CN" altLang="en-US" smtClean="0"/>
               <a:pPr/>
-              <a:t>2016/8/11</a:t>
+              <a:t>2017/4/14</a:t>
             </a:fld>
             <a:endParaRPr lang="zh-CN" altLang="en-US"/>
           </a:p>
@@ -470,7 +470,7 @@
     </p:spTree>
     <p:extLst>
       <p:ext uri="{BB962C8B-B14F-4D97-AF65-F5344CB8AC3E}">
-        <p14:creationId xmlns:p14="http://schemas.microsoft.com/office/powerpoint/2010/main" xmlns="" val="1451688034"/>
+        <p14:creationId xmlns="" xmlns:p14="http://schemas.microsoft.com/office/powerpoint/2010/main" val="1451688034"/>
       </p:ext>
     </p:extLst>
   </p:cSld>
@@ -613,7 +613,7 @@
             <a:blip r:embed="rId2">
               <a:extLst>
                 <a:ext uri="{28A0092B-C50C-407E-A947-70E740481C1C}">
-                  <a14:useLocalDpi xmlns:a14="http://schemas.microsoft.com/office/drawing/2010/main" xmlns="" val="0"/>
+                  <a14:useLocalDpi xmlns="" xmlns:a14="http://schemas.microsoft.com/office/drawing/2010/main" val="0"/>
                 </a:ext>
               </a:extLst>
             </a:blip>
@@ -1268,7 +1268,7 @@
             <a:fld id="{FA993C43-75C7-4C5E-B22E-E14D8C915DA6}" type="datetimeFigureOut">
               <a:rPr lang="zh-CN" altLang="en-US" smtClean="0"/>
               <a:pPr/>
-              <a:t>2016/8/11</a:t>
+              <a:t>2017/4/14</a:t>
             </a:fld>
             <a:endParaRPr lang="zh-CN" altLang="en-US"/>
           </a:p>
@@ -1503,7 +1503,7 @@
             <a:fld id="{13D0CE79-49FB-443D-BEF8-6B709DE8FD0C}" type="datetimeFigureOut">
               <a:rPr lang="zh-CN" altLang="en-US" smtClean="0"/>
               <a:pPr/>
-              <a:t>2016/8/11</a:t>
+              <a:t>2017/4/14</a:t>
             </a:fld>
             <a:endParaRPr lang="zh-CN" altLang="en-US"/>
           </a:p>
@@ -1753,7 +1753,7 @@
             <a:fld id="{FA993C43-75C7-4C5E-B22E-E14D8C915DA6}" type="datetimeFigureOut">
               <a:rPr lang="zh-CN" altLang="en-US" smtClean="0"/>
               <a:pPr/>
-              <a:t>2016/8/11</a:t>
+              <a:t>2017/4/14</a:t>
             </a:fld>
             <a:endParaRPr lang="zh-CN" altLang="en-US"/>
           </a:p>
@@ -2008,7 +2008,7 @@
             <a:fld id="{FA993C43-75C7-4C5E-B22E-E14D8C915DA6}" type="datetimeFigureOut">
               <a:rPr lang="zh-CN" altLang="en-US" smtClean="0"/>
               <a:pPr/>
-              <a:t>2016/8/11</a:t>
+              <a:t>2017/4/14</a:t>
             </a:fld>
             <a:endParaRPr lang="zh-CN" altLang="en-US"/>
           </a:p>
@@ -2099,7 +2099,7 @@
             </a:ln>
             <a:extLst>
               <a:ext uri="{91240B29-F687-4F45-9708-019B960494DF}">
-                <a14:hiddenLine xmlns:a14="http://schemas.microsoft.com/office/drawing/2010/main" xmlns="" w="9525">
+                <a14:hiddenLine xmlns="" xmlns:a14="http://schemas.microsoft.com/office/drawing/2010/main" w="9525">
                   <a:solidFill>
                     <a:srgbClr val="000000"/>
                   </a:solidFill>
@@ -2260,7 +2260,7 @@
             </a:ln>
             <a:extLst>
               <a:ext uri="{909E8E84-426E-40DD-AFC4-6F175D3DCCD1}">
-                <a14:hiddenFill xmlns:a14="http://schemas.microsoft.com/office/drawing/2010/main" xmlns="">
+                <a14:hiddenFill xmlns="" xmlns:a14="http://schemas.microsoft.com/office/drawing/2010/main">
                   <a:noFill/>
                 </a14:hiddenFill>
               </a:ext>
@@ -2292,7 +2292,7 @@
             </a:ln>
             <a:extLst>
               <a:ext uri="{909E8E84-426E-40DD-AFC4-6F175D3DCCD1}">
-                <a14:hiddenFill xmlns:a14="http://schemas.microsoft.com/office/drawing/2010/main" xmlns="">
+                <a14:hiddenFill xmlns="" xmlns:a14="http://schemas.microsoft.com/office/drawing/2010/main">
                   <a:noFill/>
                 </a14:hiddenFill>
               </a:ext>
@@ -2323,7 +2323,7 @@
             </a:ln>
             <a:extLst>
               <a:ext uri="{91240B29-F687-4F45-9708-019B960494DF}">
-                <a14:hiddenLine xmlns:a14="http://schemas.microsoft.com/office/drawing/2010/main" xmlns="" w="9525">
+                <a14:hiddenLine xmlns="" xmlns:a14="http://schemas.microsoft.com/office/drawing/2010/main" w="9525">
                   <a:solidFill>
                     <a:srgbClr val="000000"/>
                   </a:solidFill>
@@ -2640,7 +2640,7 @@
             <a:fld id="{FA993C43-75C7-4C5E-B22E-E14D8C915DA6}" type="datetimeFigureOut">
               <a:rPr lang="zh-CN" altLang="en-US" smtClean="0"/>
               <a:pPr/>
-              <a:t>2016/8/11</a:t>
+              <a:t>2017/4/14</a:t>
             </a:fld>
             <a:endParaRPr lang="zh-CN" altLang="en-US"/>
           </a:p>
@@ -3004,7 +3004,7 @@
             <a:fld id="{FA993C43-75C7-4C5E-B22E-E14D8C915DA6}" type="datetimeFigureOut">
               <a:rPr lang="zh-CN" altLang="en-US" smtClean="0"/>
               <a:pPr/>
-              <a:t>2016/8/11</a:t>
+              <a:t>2017/4/14</a:t>
             </a:fld>
             <a:endParaRPr lang="zh-CN" altLang="en-US"/>
           </a:p>
@@ -3096,7 +3096,7 @@
             <a:fld id="{FA993C43-75C7-4C5E-B22E-E14D8C915DA6}" type="datetimeFigureOut">
               <a:rPr lang="zh-CN" altLang="en-US" smtClean="0"/>
               <a:pPr/>
-              <a:t>2016/8/11</a:t>
+              <a:t>2017/4/14</a:t>
             </a:fld>
             <a:endParaRPr lang="zh-CN" altLang="en-US"/>
           </a:p>
@@ -3183,7 +3183,7 @@
             </a:ln>
             <a:extLst>
               <a:ext uri="{91240B29-F687-4F45-9708-019B960494DF}">
-                <a14:hiddenLine xmlns:a14="http://schemas.microsoft.com/office/drawing/2010/main" xmlns="" w="9525">
+                <a14:hiddenLine xmlns="" xmlns:a14="http://schemas.microsoft.com/office/drawing/2010/main" w="9525">
                   <a:solidFill>
                     <a:srgbClr val="000000"/>
                   </a:solidFill>
@@ -3420,7 +3420,7 @@
             </a:ln>
             <a:extLst>
               <a:ext uri="{909E8E84-426E-40DD-AFC4-6F175D3DCCD1}">
-                <a14:hiddenFill xmlns:a14="http://schemas.microsoft.com/office/drawing/2010/main" xmlns="">
+                <a14:hiddenFill xmlns="" xmlns:a14="http://schemas.microsoft.com/office/drawing/2010/main">
                   <a:noFill/>
                 </a14:hiddenFill>
               </a:ext>
@@ -3505,7 +3505,7 @@
             <a:fld id="{FA993C43-75C7-4C5E-B22E-E14D8C915DA6}" type="datetimeFigureOut">
               <a:rPr lang="zh-CN" altLang="en-US" smtClean="0"/>
               <a:pPr/>
-              <a:t>2016/8/11</a:t>
+              <a:t>2017/4/14</a:t>
             </a:fld>
             <a:endParaRPr lang="zh-CN" altLang="en-US"/>
           </a:p>
@@ -3774,7 +3774,7 @@
             <a:fld id="{FA993C43-75C7-4C5E-B22E-E14D8C915DA6}" type="datetimeFigureOut">
               <a:rPr lang="zh-CN" altLang="en-US" smtClean="0"/>
               <a:pPr/>
-              <a:t>2016/8/11</a:t>
+              <a:t>2017/4/14</a:t>
             </a:fld>
             <a:endParaRPr lang="zh-CN" altLang="en-US"/>
           </a:p>
@@ -3853,12 +3853,12 @@
           <a:effectLst/>
           <a:extLst>
             <a:ext uri="{909E8E84-426E-40DD-AFC4-6F175D3DCCD1}">
-              <a14:hiddenFill xmlns:a14="http://schemas.microsoft.com/office/drawing/2010/main" xmlns="">
+              <a14:hiddenFill xmlns="" xmlns:a14="http://schemas.microsoft.com/office/drawing/2010/main">
                 <a:noFill/>
               </a14:hiddenFill>
             </a:ext>
             <a:ext uri="{AF507438-7753-43E0-B8FC-AC1667EBCBE1}">
-              <a14:hiddenEffects xmlns:a14="http://schemas.microsoft.com/office/drawing/2010/main" xmlns="">
+              <a14:hiddenEffects xmlns="" xmlns:a14="http://schemas.microsoft.com/office/drawing/2010/main">
                 <a:effectLst>
                   <a:outerShdw dist="35921" dir="2700000" algn="ctr" rotWithShape="0">
                     <a:schemeClr val="bg2"/>
@@ -4007,7 +4007,7 @@
             <a:fld id="{FA993C43-75C7-4C5E-B22E-E14D8C915DA6}" type="datetimeFigureOut">
               <a:rPr lang="zh-CN" altLang="en-US" smtClean="0"/>
               <a:pPr/>
-              <a:t>2016/8/11</a:t>
+              <a:t>2017/4/14</a:t>
             </a:fld>
             <a:endParaRPr lang="zh-CN" altLang="en-US"/>
           </a:p>
@@ -6103,7 +6103,7 @@
             <a:fld id="{FA993C43-75C7-4C5E-B22E-E14D8C915DA6}" type="datetimeFigureOut">
               <a:rPr lang="zh-CN" altLang="en-US" smtClean="0"/>
               <a:pPr/>
-              <a:t>2016/8/11</a:t>
+              <a:t>2017/4/14</a:t>
             </a:fld>
             <a:endParaRPr lang="zh-CN" altLang="en-US"/>
           </a:p>
@@ -6879,7 +6879,7 @@
     </p:custDataLst>
     <p:extLst>
       <p:ext uri="{BB962C8B-B14F-4D97-AF65-F5344CB8AC3E}">
-        <p14:creationId xmlns:p14="http://schemas.microsoft.com/office/powerpoint/2010/main" xmlns="" val="1162144751"/>
+        <p14:creationId xmlns="" xmlns:p14="http://schemas.microsoft.com/office/powerpoint/2010/main" val="1162144751"/>
       </p:ext>
     </p:extLst>
   </p:cSld>
@@ -7157,7 +7157,7 @@
     </p:spTree>
     <p:extLst>
       <p:ext uri="{BB962C8B-B14F-4D97-AF65-F5344CB8AC3E}">
-        <p14:creationId xmlns:p14="http://schemas.microsoft.com/office/powerpoint/2010/main" xmlns="" val="2582003491"/>
+        <p14:creationId xmlns="" xmlns:p14="http://schemas.microsoft.com/office/powerpoint/2010/main" val="2582003491"/>
       </p:ext>
     </p:extLst>
   </p:cSld>
@@ -7383,7 +7383,7 @@
     </p:spTree>
     <p:extLst>
       <p:ext uri="{BB962C8B-B14F-4D97-AF65-F5344CB8AC3E}">
-        <p14:creationId xmlns:p14="http://schemas.microsoft.com/office/powerpoint/2010/main" xmlns="" val="2582003491"/>
+        <p14:creationId xmlns="" xmlns:p14="http://schemas.microsoft.com/office/powerpoint/2010/main" val="2582003491"/>
       </p:ext>
     </p:extLst>
   </p:cSld>
@@ -7557,7 +7557,7 @@
     </p:spTree>
     <p:extLst>
       <p:ext uri="{BB962C8B-B14F-4D97-AF65-F5344CB8AC3E}">
-        <p14:creationId xmlns:p14="http://schemas.microsoft.com/office/powerpoint/2010/main" xmlns="" val="2582003491"/>
+        <p14:creationId xmlns="" xmlns:p14="http://schemas.microsoft.com/office/powerpoint/2010/main" val="2582003491"/>
       </p:ext>
     </p:extLst>
   </p:cSld>
@@ -7749,7 +7749,7 @@
     </p:spTree>
     <p:extLst>
       <p:ext uri="{BB962C8B-B14F-4D97-AF65-F5344CB8AC3E}">
-        <p14:creationId xmlns:p14="http://schemas.microsoft.com/office/powerpoint/2010/main" xmlns="" val="284630127"/>
+        <p14:creationId xmlns="" xmlns:p14="http://schemas.microsoft.com/office/powerpoint/2010/main" val="284630127"/>
       </p:ext>
     </p:extLst>
   </p:cSld>
@@ -8099,7 +8099,7 @@
     </p:spTree>
     <p:extLst>
       <p:ext uri="{BB962C8B-B14F-4D97-AF65-F5344CB8AC3E}">
-        <p14:creationId xmlns:p14="http://schemas.microsoft.com/office/powerpoint/2010/main" xmlns="" val="2697222024"/>
+        <p14:creationId xmlns="" xmlns:p14="http://schemas.microsoft.com/office/powerpoint/2010/main" val="2697222024"/>
       </p:ext>
     </p:extLst>
   </p:cSld>
@@ -8221,7 +8221,7 @@
     </p:spTree>
     <p:extLst>
       <p:ext uri="{BB962C8B-B14F-4D97-AF65-F5344CB8AC3E}">
-        <p14:creationId xmlns:p14="http://schemas.microsoft.com/office/powerpoint/2010/main" xmlns="" val="2697222024"/>
+        <p14:creationId xmlns="" xmlns:p14="http://schemas.microsoft.com/office/powerpoint/2010/main" val="2697222024"/>
       </p:ext>
     </p:extLst>
   </p:cSld>
@@ -8343,7 +8343,7 @@
     </p:spTree>
     <p:extLst>
       <p:ext uri="{BB962C8B-B14F-4D97-AF65-F5344CB8AC3E}">
-        <p14:creationId xmlns:p14="http://schemas.microsoft.com/office/powerpoint/2010/main" xmlns="" val="2697222024"/>
+        <p14:creationId xmlns="" xmlns:p14="http://schemas.microsoft.com/office/powerpoint/2010/main" val="2697222024"/>
       </p:ext>
     </p:extLst>
   </p:cSld>
@@ -8465,7 +8465,7 @@
     </p:spTree>
     <p:extLst>
       <p:ext uri="{BB962C8B-B14F-4D97-AF65-F5344CB8AC3E}">
-        <p14:creationId xmlns:p14="http://schemas.microsoft.com/office/powerpoint/2010/main" xmlns="" val="2697222024"/>
+        <p14:creationId xmlns="" xmlns:p14="http://schemas.microsoft.com/office/powerpoint/2010/main" val="2697222024"/>
       </p:ext>
     </p:extLst>
   </p:cSld>
@@ -8587,7 +8587,7 @@
     </p:spTree>
     <p:extLst>
       <p:ext uri="{BB962C8B-B14F-4D97-AF65-F5344CB8AC3E}">
-        <p14:creationId xmlns:p14="http://schemas.microsoft.com/office/powerpoint/2010/main" xmlns="" val="2697222024"/>
+        <p14:creationId xmlns="" xmlns:p14="http://schemas.microsoft.com/office/powerpoint/2010/main" val="2697222024"/>
       </p:ext>
     </p:extLst>
   </p:cSld>
@@ -9247,7 +9247,7 @@
         <p:spPr>
           <a:xfrm>
             <a:off x="859810" y="1351127"/>
-            <a:ext cx="7779223" cy="5355312"/>
+            <a:ext cx="7779223" cy="5078313"/>
           </a:xfrm>
           <a:prstGeom prst="rect">
             <a:avLst/>
@@ -9432,28 +9432,6 @@
             <a:r>
               <a:rPr lang="zh-CN" altLang="en-US" dirty="0" smtClean="0"/>
               <a:t>非线程安全，不能并发调用，必须串行化调用。</a:t>
-            </a:r>
-            <a:endParaRPr lang="en-US" altLang="zh-CN" dirty="0" smtClean="0"/>
-          </a:p>
-          <a:p>
-            <a:pPr marL="342900" indent="-342900">
-              <a:buAutoNum type="arabicPeriod"/>
-            </a:pPr>
-            <a:r>
-              <a:rPr lang="en-US" altLang="zh-CN" dirty="0" smtClean="0"/>
-              <a:t>Thrift</a:t>
-            </a:r>
-            <a:r>
-              <a:rPr lang="zh-CN" altLang="en-US" dirty="0" smtClean="0"/>
-              <a:t>不支持双工通信，不能代替</a:t>
-            </a:r>
-            <a:r>
-              <a:rPr lang="en-US" altLang="zh-CN" dirty="0" smtClean="0"/>
-              <a:t>socket</a:t>
-            </a:r>
-            <a:r>
-              <a:rPr lang="zh-CN" altLang="en-US" dirty="0" smtClean="0"/>
-              <a:t>通信。</a:t>
             </a:r>
             <a:endParaRPr lang="en-US" altLang="zh-CN" dirty="0" smtClean="0"/>
           </a:p>
@@ -10516,7 +10494,7 @@
     </p:spTree>
     <p:extLst>
       <p:ext uri="{BB962C8B-B14F-4D97-AF65-F5344CB8AC3E}">
-        <p14:creationId xmlns:p14="http://schemas.microsoft.com/office/powerpoint/2010/main" xmlns="" val="2369043242"/>
+        <p14:creationId xmlns="" xmlns:p14="http://schemas.microsoft.com/office/powerpoint/2010/main" val="2369043242"/>
       </p:ext>
     </p:extLst>
   </p:cSld>
@@ -11169,7 +11147,7 @@
     </p:spTree>
     <p:extLst>
       <p:ext uri="{BB962C8B-B14F-4D97-AF65-F5344CB8AC3E}">
-        <p14:creationId xmlns:p14="http://schemas.microsoft.com/office/powerpoint/2010/main" xmlns="" val="2369043242"/>
+        <p14:creationId xmlns="" xmlns:p14="http://schemas.microsoft.com/office/powerpoint/2010/main" val="2369043242"/>
       </p:ext>
     </p:extLst>
   </p:cSld>
@@ -11803,7 +11781,7 @@
     </p:spTree>
     <p:extLst>
       <p:ext uri="{BB962C8B-B14F-4D97-AF65-F5344CB8AC3E}">
-        <p14:creationId xmlns:p14="http://schemas.microsoft.com/office/powerpoint/2010/main" xmlns="" val="2369043242"/>
+        <p14:creationId xmlns="" xmlns:p14="http://schemas.microsoft.com/office/powerpoint/2010/main" val="2369043242"/>
       </p:ext>
     </p:extLst>
   </p:cSld>
@@ -13367,7 +13345,7 @@
     </p:spTree>
     <p:extLst>
       <p:ext uri="{BB962C8B-B14F-4D97-AF65-F5344CB8AC3E}">
-        <p14:creationId xmlns:p14="http://schemas.microsoft.com/office/powerpoint/2010/main" xmlns="" val="284630127"/>
+        <p14:creationId xmlns="" xmlns:p14="http://schemas.microsoft.com/office/powerpoint/2010/main" val="284630127"/>
       </p:ext>
     </p:extLst>
   </p:cSld>
@@ -13620,7 +13598,7 @@
     </p:spTree>
     <p:extLst>
       <p:ext uri="{BB962C8B-B14F-4D97-AF65-F5344CB8AC3E}">
-        <p14:creationId xmlns:p14="http://schemas.microsoft.com/office/powerpoint/2010/main" xmlns="" val="2582003491"/>
+        <p14:creationId xmlns="" xmlns:p14="http://schemas.microsoft.com/office/powerpoint/2010/main" val="2582003491"/>
       </p:ext>
     </p:extLst>
   </p:cSld>
@@ -14198,7 +14176,7 @@
   <a:extraClrSchemeLst/>
   <a:extLst>
     <a:ext uri="{05A4C25C-085E-4340-85A3-A5531E510DB2}">
-      <thm15:themeFamily xmlns:thm15="http://schemas.microsoft.com/office/thememl/2012/main" xmlns="" name="Office Theme" id="{62F939B6-93AF-4DB8-9C6B-D6C7DFDC589F}" vid="{4A3C46E8-61CC-4603-A589-7422A47A8E4A}"/>
+      <thm15:themeFamily xmlns="" xmlns:thm15="http://schemas.microsoft.com/office/thememl/2012/main" name="Office Theme" id="{62F939B6-93AF-4DB8-9C6B-D6C7DFDC589F}" vid="{4A3C46E8-61CC-4603-A589-7422A47A8E4A}"/>
     </a:ext>
   </a:extLst>
 </a:theme>
@@ -14459,7 +14437,7 @@
   <a:extraClrSchemeLst/>
   <a:extLst>
     <a:ext uri="{05A4C25C-085E-4340-85A3-A5531E510DB2}">
-      <thm15:themeFamily xmlns:thm15="http://schemas.microsoft.com/office/thememl/2012/main" xmlns="" name="Office Theme" id="{62F939B6-93AF-4DB8-9C6B-D6C7DFDC589F}" vid="{4A3C46E8-61CC-4603-A589-7422A47A8E4A}"/>
+      <thm15:themeFamily xmlns="" xmlns:thm15="http://schemas.microsoft.com/office/thememl/2012/main" name="Office Theme" id="{62F939B6-93AF-4DB8-9C6B-D6C7DFDC589F}" vid="{4A3C46E8-61CC-4603-A589-7422A47A8E4A}"/>
     </a:ext>
   </a:extLst>
 </a:theme>
